--- a/aspnetcore/slides/06_apis.pptx
+++ b/aspnetcore/slides/06_apis.pptx
@@ -293,7 +293,7 @@
               <a:pPr>
                 <a:defRPr/>
               </a:pPr>
-              <a:t>10/22/2018</a:t>
+              <a:t>9/5/2019</a:t>
             </a:fld>
             <a:endParaRPr lang="en-US"/>
           </a:p>
@@ -2874,8 +2874,68 @@
         </p:blipFill>
         <p:spPr>
           <a:xfrm>
-            <a:off x="990600" y="2438400"/>
-            <a:ext cx="5907189" cy="3811797"/>
+            <a:off x="3631302" y="4038600"/>
+            <a:ext cx="4014995" cy="2590800"/>
+          </a:xfrm>
+          <a:prstGeom prst="rect">
+            <a:avLst/>
+          </a:prstGeom>
+        </p:spPr>
+      </p:pic>
+      <p:pic>
+        <p:nvPicPr>
+          <p:cNvPr id="6" name="Picture 5">
+            <a:extLst>
+              <a:ext uri="{FF2B5EF4-FFF2-40B4-BE49-F238E27FC236}">
+                <a16:creationId xmlns:a16="http://schemas.microsoft.com/office/drawing/2014/main" id="{3DCAF797-7ACF-4946-AD9C-6D33A9B4CE54}"/>
+              </a:ext>
+            </a:extLst>
+          </p:cNvPr>
+          <p:cNvPicPr>
+            <a:picLocks noChangeAspect="1"/>
+          </p:cNvPicPr>
+          <p:nvPr/>
+        </p:nvPicPr>
+        <p:blipFill>
+          <a:blip r:embed="rId3"/>
+          <a:stretch>
+            <a:fillRect/>
+          </a:stretch>
+        </p:blipFill>
+        <p:spPr>
+          <a:xfrm>
+            <a:off x="685800" y="2362200"/>
+            <a:ext cx="5410200" cy="586811"/>
+          </a:xfrm>
+          <a:prstGeom prst="rect">
+            <a:avLst/>
+          </a:prstGeom>
+        </p:spPr>
+      </p:pic>
+      <p:pic>
+        <p:nvPicPr>
+          <p:cNvPr id="7" name="Picture 6">
+            <a:extLst>
+              <a:ext uri="{FF2B5EF4-FFF2-40B4-BE49-F238E27FC236}">
+                <a16:creationId xmlns:a16="http://schemas.microsoft.com/office/drawing/2014/main" id="{231742A9-703A-4563-86F1-694F177F649A}"/>
+              </a:ext>
+            </a:extLst>
+          </p:cNvPr>
+          <p:cNvPicPr>
+            <a:picLocks noChangeAspect="1"/>
+          </p:cNvPicPr>
+          <p:nvPr/>
+        </p:nvPicPr>
+        <p:blipFill>
+          <a:blip r:embed="rId4"/>
+          <a:stretch>
+            <a:fillRect/>
+          </a:stretch>
+        </p:blipFill>
+        <p:spPr>
+          <a:xfrm>
+            <a:off x="685800" y="3200400"/>
+            <a:ext cx="4953000" cy="774167"/>
           </a:xfrm>
           <a:prstGeom prst="rect">
             <a:avLst/>

--- a/aspnetcore/slides/06_apis.pptx
+++ b/aspnetcore/slides/06_apis.pptx
@@ -5,10 +5,10 @@
     <p:sldMasterId id="2147483772" r:id="rId1"/>
   </p:sldMasterIdLst>
   <p:notesMasterIdLst>
-    <p:notesMasterId r:id="rId13"/>
+    <p:notesMasterId r:id="rId20"/>
   </p:notesMasterIdLst>
   <p:handoutMasterIdLst>
-    <p:handoutMasterId r:id="rId14"/>
+    <p:handoutMasterId r:id="rId21"/>
   </p:handoutMasterIdLst>
   <p:sldIdLst>
     <p:sldId id="327" r:id="rId2"/>
@@ -21,7 +21,14 @@
     <p:sldId id="348" r:id="rId9"/>
     <p:sldId id="349" r:id="rId10"/>
     <p:sldId id="350" r:id="rId11"/>
-    <p:sldId id="341" r:id="rId12"/>
+    <p:sldId id="351" r:id="rId12"/>
+    <p:sldId id="352" r:id="rId13"/>
+    <p:sldId id="353" r:id="rId14"/>
+    <p:sldId id="354" r:id="rId15"/>
+    <p:sldId id="355" r:id="rId16"/>
+    <p:sldId id="356" r:id="rId17"/>
+    <p:sldId id="340" r:id="rId18"/>
+    <p:sldId id="341" r:id="rId19"/>
   </p:sldIdLst>
   <p:sldSz cx="9144000" cy="6858000" type="screen4x3"/>
   <p:notesSz cx="7302500" cy="9588500"/>
@@ -165,6 +172,13 @@
             <p14:sldId id="348"/>
             <p14:sldId id="349"/>
             <p14:sldId id="350"/>
+            <p14:sldId id="351"/>
+            <p14:sldId id="352"/>
+            <p14:sldId id="353"/>
+            <p14:sldId id="354"/>
+            <p14:sldId id="355"/>
+            <p14:sldId id="356"/>
+            <p14:sldId id="340"/>
             <p14:sldId id="341"/>
           </p14:sldIdLst>
         </p14:section>
@@ -293,7 +307,7 @@
               <a:pPr>
                 <a:defRPr/>
               </a:pPr>
-              <a:t>9/5/2019</a:t>
+              <a:t>9/29/2019</a:t>
             </a:fld>
             <a:endParaRPr lang="en-US"/>
           </a:p>
@@ -2959,6 +2973,1585 @@
 </file>
 
 <file path=ppt/slides/slide11.xml><?xml version="1.0" encoding="utf-8"?>
+<p:sld xmlns:a="http://schemas.openxmlformats.org/drawingml/2006/main" xmlns:r="http://schemas.openxmlformats.org/officeDocument/2006/relationships" xmlns:p="http://schemas.openxmlformats.org/presentationml/2006/main">
+  <p:cSld>
+    <p:spTree>
+      <p:nvGrpSpPr>
+        <p:cNvPr id="1" name=""/>
+        <p:cNvGrpSpPr/>
+        <p:nvPr/>
+      </p:nvGrpSpPr>
+      <p:grpSpPr>
+        <a:xfrm>
+          <a:off x="0" y="0"/>
+          <a:ext cx="0" cy="0"/>
+          <a:chOff x="0" y="0"/>
+          <a:chExt cx="0" cy="0"/>
+        </a:xfrm>
+      </p:grpSpPr>
+      <p:sp>
+        <p:nvSpPr>
+          <p:cNvPr id="2" name="Title 1">
+            <a:extLst>
+              <a:ext uri="{FF2B5EF4-FFF2-40B4-BE49-F238E27FC236}">
+                <a16:creationId xmlns:a16="http://schemas.microsoft.com/office/drawing/2014/main" id="{7749688B-218B-4D3B-B9FD-26637A7F367F}"/>
+              </a:ext>
+            </a:extLst>
+          </p:cNvPr>
+          <p:cNvSpPr>
+            <a:spLocks noGrp="1"/>
+          </p:cNvSpPr>
+          <p:nvPr>
+            <p:ph type="title"/>
+          </p:nvPr>
+        </p:nvSpPr>
+        <p:spPr/>
+        <p:txBody>
+          <a:bodyPr/>
+          <a:lstStyle/>
+          <a:p>
+            <a:r>
+              <a:rPr lang="en-US" dirty="0"/>
+              <a:t>New: </a:t>
+            </a:r>
+            <a:r>
+              <a:rPr lang="en-US" dirty="0" err="1"/>
+              <a:t>gRPC</a:t>
+            </a:r>
+            <a:endParaRPr lang="en-US" dirty="0"/>
+          </a:p>
+        </p:txBody>
+      </p:sp>
+      <p:pic>
+        <p:nvPicPr>
+          <p:cNvPr id="8" name="Picture 7">
+            <a:extLst>
+              <a:ext uri="{FF2B5EF4-FFF2-40B4-BE49-F238E27FC236}">
+                <a16:creationId xmlns:a16="http://schemas.microsoft.com/office/drawing/2014/main" id="{A1AF7EDF-9C0A-40DE-8F84-3A50627F1592}"/>
+              </a:ext>
+            </a:extLst>
+          </p:cNvPr>
+          <p:cNvPicPr>
+            <a:picLocks noChangeAspect="1"/>
+          </p:cNvPicPr>
+          <p:nvPr/>
+        </p:nvPicPr>
+        <p:blipFill>
+          <a:blip r:embed="rId2"/>
+          <a:stretch>
+            <a:fillRect/>
+          </a:stretch>
+        </p:blipFill>
+        <p:spPr>
+          <a:xfrm>
+            <a:off x="1665306" y="2009623"/>
+            <a:ext cx="5813388" cy="2838809"/>
+          </a:xfrm>
+          <a:prstGeom prst="rect">
+            <a:avLst/>
+          </a:prstGeom>
+        </p:spPr>
+      </p:pic>
+    </p:spTree>
+    <p:extLst>
+      <p:ext uri="{BB962C8B-B14F-4D97-AF65-F5344CB8AC3E}">
+        <p14:creationId xmlns:p14="http://schemas.microsoft.com/office/powerpoint/2010/main" val="319583283"/>
+      </p:ext>
+    </p:extLst>
+  </p:cSld>
+  <p:clrMapOvr>
+    <a:masterClrMapping/>
+  </p:clrMapOvr>
+  <p:transition>
+    <p:fade/>
+  </p:transition>
+  <p:timing>
+    <p:tnLst>
+      <p:par>
+        <p:cTn id="1" dur="indefinite" restart="never" nodeType="tmRoot">
+          <p:childTnLst>
+            <p:seq concurrent="1" nextAc="seek">
+              <p:cTn id="2" dur="indefinite" nodeType="mainSeq">
+                <p:childTnLst>
+                  <p:par>
+                    <p:cTn id="3" fill="hold">
+                      <p:stCondLst>
+                        <p:cond delay="indefinite"/>
+                      </p:stCondLst>
+                      <p:childTnLst>
+                        <p:par>
+                          <p:cTn id="4" fill="hold">
+                            <p:stCondLst>
+                              <p:cond delay="0"/>
+                            </p:stCondLst>
+                            <p:childTnLst>
+                              <p:par>
+                                <p:cTn id="5" presetID="10" presetClass="entr" presetSubtype="0" fill="hold" nodeType="clickEffect">
+                                  <p:stCondLst>
+                                    <p:cond delay="0"/>
+                                  </p:stCondLst>
+                                  <p:childTnLst>
+                                    <p:set>
+                                      <p:cBhvr>
+                                        <p:cTn id="6" dur="1" fill="hold">
+                                          <p:stCondLst>
+                                            <p:cond delay="0"/>
+                                          </p:stCondLst>
+                                        </p:cTn>
+                                        <p:tgtEl>
+                                          <p:spTgt spid="8"/>
+                                        </p:tgtEl>
+                                        <p:attrNameLst>
+                                          <p:attrName>style.visibility</p:attrName>
+                                        </p:attrNameLst>
+                                      </p:cBhvr>
+                                      <p:to>
+                                        <p:strVal val="visible"/>
+                                      </p:to>
+                                    </p:set>
+                                    <p:animEffect transition="in" filter="fade">
+                                      <p:cBhvr>
+                                        <p:cTn id="7" dur="500"/>
+                                        <p:tgtEl>
+                                          <p:spTgt spid="8"/>
+                                        </p:tgtEl>
+                                      </p:cBhvr>
+                                    </p:animEffect>
+                                  </p:childTnLst>
+                                </p:cTn>
+                              </p:par>
+                            </p:childTnLst>
+                          </p:cTn>
+                        </p:par>
+                      </p:childTnLst>
+                    </p:cTn>
+                  </p:par>
+                </p:childTnLst>
+              </p:cTn>
+              <p:prevCondLst>
+                <p:cond evt="onPrev" delay="0">
+                  <p:tgtEl>
+                    <p:sldTgt/>
+                  </p:tgtEl>
+                </p:cond>
+              </p:prevCondLst>
+              <p:nextCondLst>
+                <p:cond evt="onNext" delay="0">
+                  <p:tgtEl>
+                    <p:sldTgt/>
+                  </p:tgtEl>
+                </p:cond>
+              </p:nextCondLst>
+            </p:seq>
+          </p:childTnLst>
+        </p:cTn>
+      </p:par>
+    </p:tnLst>
+  </p:timing>
+</p:sld>
+</file>
+
+<file path=ppt/slides/slide12.xml><?xml version="1.0" encoding="utf-8"?>
+<p:sld xmlns:a="http://schemas.openxmlformats.org/drawingml/2006/main" xmlns:r="http://schemas.openxmlformats.org/officeDocument/2006/relationships" xmlns:p="http://schemas.openxmlformats.org/presentationml/2006/main">
+  <p:cSld>
+    <p:spTree>
+      <p:nvGrpSpPr>
+        <p:cNvPr id="1" name=""/>
+        <p:cNvGrpSpPr/>
+        <p:nvPr/>
+      </p:nvGrpSpPr>
+      <p:grpSpPr>
+        <a:xfrm>
+          <a:off x="0" y="0"/>
+          <a:ext cx="0" cy="0"/>
+          <a:chOff x="0" y="0"/>
+          <a:chExt cx="0" cy="0"/>
+        </a:xfrm>
+      </p:grpSpPr>
+      <p:sp>
+        <p:nvSpPr>
+          <p:cNvPr id="2" name="Title 1">
+            <a:extLst>
+              <a:ext uri="{FF2B5EF4-FFF2-40B4-BE49-F238E27FC236}">
+                <a16:creationId xmlns:a16="http://schemas.microsoft.com/office/drawing/2014/main" id="{299038F8-6CF6-434B-81B9-B53C44D70711}"/>
+              </a:ext>
+            </a:extLst>
+          </p:cNvPr>
+          <p:cNvSpPr>
+            <a:spLocks noGrp="1"/>
+          </p:cNvSpPr>
+          <p:nvPr>
+            <p:ph type="title"/>
+          </p:nvPr>
+        </p:nvSpPr>
+        <p:spPr/>
+        <p:txBody>
+          <a:bodyPr/>
+          <a:lstStyle/>
+          <a:p>
+            <a:endParaRPr lang="en-US"/>
+          </a:p>
+        </p:txBody>
+      </p:sp>
+      <p:pic>
+        <p:nvPicPr>
+          <p:cNvPr id="4" name="Picture 3">
+            <a:extLst>
+              <a:ext uri="{FF2B5EF4-FFF2-40B4-BE49-F238E27FC236}">
+                <a16:creationId xmlns:a16="http://schemas.microsoft.com/office/drawing/2014/main" id="{7378308C-00C5-4845-98BD-383F5873E370}"/>
+              </a:ext>
+            </a:extLst>
+          </p:cNvPr>
+          <p:cNvPicPr>
+            <a:picLocks noChangeAspect="1"/>
+          </p:cNvPicPr>
+          <p:nvPr/>
+        </p:nvPicPr>
+        <p:blipFill>
+          <a:blip r:embed="rId2"/>
+          <a:stretch>
+            <a:fillRect/>
+          </a:stretch>
+        </p:blipFill>
+        <p:spPr>
+          <a:xfrm>
+            <a:off x="420065" y="1788012"/>
+            <a:ext cx="4019756" cy="1414535"/>
+          </a:xfrm>
+          <a:prstGeom prst="rect">
+            <a:avLst/>
+          </a:prstGeom>
+        </p:spPr>
+      </p:pic>
+      <p:pic>
+        <p:nvPicPr>
+          <p:cNvPr id="5" name="Picture 4">
+            <a:extLst>
+              <a:ext uri="{FF2B5EF4-FFF2-40B4-BE49-F238E27FC236}">
+                <a16:creationId xmlns:a16="http://schemas.microsoft.com/office/drawing/2014/main" id="{EF98E4CC-3E4E-46CB-9142-4635692B29CD}"/>
+              </a:ext>
+            </a:extLst>
+          </p:cNvPr>
+          <p:cNvPicPr>
+            <a:picLocks noChangeAspect="1"/>
+          </p:cNvPicPr>
+          <p:nvPr/>
+        </p:nvPicPr>
+        <p:blipFill>
+          <a:blip r:embed="rId3"/>
+          <a:stretch>
+            <a:fillRect/>
+          </a:stretch>
+        </p:blipFill>
+        <p:spPr>
+          <a:xfrm>
+            <a:off x="2379934" y="2907703"/>
+            <a:ext cx="4119774" cy="1495502"/>
+          </a:xfrm>
+          <a:prstGeom prst="rect">
+            <a:avLst/>
+          </a:prstGeom>
+        </p:spPr>
+      </p:pic>
+      <p:pic>
+        <p:nvPicPr>
+          <p:cNvPr id="7" name="Picture 6">
+            <a:extLst>
+              <a:ext uri="{FF2B5EF4-FFF2-40B4-BE49-F238E27FC236}">
+                <a16:creationId xmlns:a16="http://schemas.microsoft.com/office/drawing/2014/main" id="{1E045B87-49CB-434F-98A7-1D6B28DEC306}"/>
+              </a:ext>
+            </a:extLst>
+          </p:cNvPr>
+          <p:cNvPicPr>
+            <a:picLocks noChangeAspect="1"/>
+          </p:cNvPicPr>
+          <p:nvPr/>
+        </p:nvPicPr>
+        <p:blipFill>
+          <a:blip r:embed="rId4"/>
+          <a:stretch>
+            <a:fillRect/>
+          </a:stretch>
+        </p:blipFill>
+        <p:spPr>
+          <a:xfrm>
+            <a:off x="4308280" y="4095519"/>
+            <a:ext cx="4081673" cy="1581231"/>
+          </a:xfrm>
+          <a:prstGeom prst="rect">
+            <a:avLst/>
+          </a:prstGeom>
+        </p:spPr>
+      </p:pic>
+    </p:spTree>
+    <p:extLst>
+      <p:ext uri="{BB962C8B-B14F-4D97-AF65-F5344CB8AC3E}">
+        <p14:creationId xmlns:p14="http://schemas.microsoft.com/office/powerpoint/2010/main" val="974525672"/>
+      </p:ext>
+    </p:extLst>
+  </p:cSld>
+  <p:clrMapOvr>
+    <a:masterClrMapping/>
+  </p:clrMapOvr>
+  <p:transition>
+    <p:fade/>
+  </p:transition>
+  <p:timing>
+    <p:tnLst>
+      <p:par>
+        <p:cTn id="1" dur="indefinite" restart="never" nodeType="tmRoot">
+          <p:childTnLst>
+            <p:seq concurrent="1" nextAc="seek">
+              <p:cTn id="2" dur="indefinite" nodeType="mainSeq">
+                <p:childTnLst>
+                  <p:par>
+                    <p:cTn id="3" fill="hold">
+                      <p:stCondLst>
+                        <p:cond delay="indefinite"/>
+                      </p:stCondLst>
+                      <p:childTnLst>
+                        <p:par>
+                          <p:cTn id="4" fill="hold">
+                            <p:stCondLst>
+                              <p:cond delay="0"/>
+                            </p:stCondLst>
+                            <p:childTnLst>
+                              <p:par>
+                                <p:cTn id="5" presetID="2" presetClass="entr" presetSubtype="4" fill="hold" nodeType="clickEffect">
+                                  <p:stCondLst>
+                                    <p:cond delay="0"/>
+                                  </p:stCondLst>
+                                  <p:childTnLst>
+                                    <p:set>
+                                      <p:cBhvr>
+                                        <p:cTn id="6" dur="1" fill="hold">
+                                          <p:stCondLst>
+                                            <p:cond delay="0"/>
+                                          </p:stCondLst>
+                                        </p:cTn>
+                                        <p:tgtEl>
+                                          <p:spTgt spid="4"/>
+                                        </p:tgtEl>
+                                        <p:attrNameLst>
+                                          <p:attrName>style.visibility</p:attrName>
+                                        </p:attrNameLst>
+                                      </p:cBhvr>
+                                      <p:to>
+                                        <p:strVal val="visible"/>
+                                      </p:to>
+                                    </p:set>
+                                    <p:anim calcmode="lin" valueType="num">
+                                      <p:cBhvr additive="base">
+                                        <p:cTn id="7" dur="500" fill="hold"/>
+                                        <p:tgtEl>
+                                          <p:spTgt spid="4"/>
+                                        </p:tgtEl>
+                                        <p:attrNameLst>
+                                          <p:attrName>ppt_x</p:attrName>
+                                        </p:attrNameLst>
+                                      </p:cBhvr>
+                                      <p:tavLst>
+                                        <p:tav tm="0">
+                                          <p:val>
+                                            <p:strVal val="#ppt_x"/>
+                                          </p:val>
+                                        </p:tav>
+                                        <p:tav tm="100000">
+                                          <p:val>
+                                            <p:strVal val="#ppt_x"/>
+                                          </p:val>
+                                        </p:tav>
+                                      </p:tavLst>
+                                    </p:anim>
+                                    <p:anim calcmode="lin" valueType="num">
+                                      <p:cBhvr additive="base">
+                                        <p:cTn id="8" dur="500" fill="hold"/>
+                                        <p:tgtEl>
+                                          <p:spTgt spid="4"/>
+                                        </p:tgtEl>
+                                        <p:attrNameLst>
+                                          <p:attrName>ppt_y</p:attrName>
+                                        </p:attrNameLst>
+                                      </p:cBhvr>
+                                      <p:tavLst>
+                                        <p:tav tm="0">
+                                          <p:val>
+                                            <p:strVal val="1+#ppt_h/2"/>
+                                          </p:val>
+                                        </p:tav>
+                                        <p:tav tm="100000">
+                                          <p:val>
+                                            <p:strVal val="#ppt_y"/>
+                                          </p:val>
+                                        </p:tav>
+                                      </p:tavLst>
+                                    </p:anim>
+                                  </p:childTnLst>
+                                </p:cTn>
+                              </p:par>
+                            </p:childTnLst>
+                          </p:cTn>
+                        </p:par>
+                      </p:childTnLst>
+                    </p:cTn>
+                  </p:par>
+                  <p:par>
+                    <p:cTn id="9" fill="hold">
+                      <p:stCondLst>
+                        <p:cond delay="indefinite"/>
+                      </p:stCondLst>
+                      <p:childTnLst>
+                        <p:par>
+                          <p:cTn id="10" fill="hold">
+                            <p:stCondLst>
+                              <p:cond delay="0"/>
+                            </p:stCondLst>
+                            <p:childTnLst>
+                              <p:par>
+                                <p:cTn id="11" presetID="2" presetClass="entr" presetSubtype="4" fill="hold" nodeType="clickEffect">
+                                  <p:stCondLst>
+                                    <p:cond delay="0"/>
+                                  </p:stCondLst>
+                                  <p:childTnLst>
+                                    <p:set>
+                                      <p:cBhvr>
+                                        <p:cTn id="12" dur="1" fill="hold">
+                                          <p:stCondLst>
+                                            <p:cond delay="0"/>
+                                          </p:stCondLst>
+                                        </p:cTn>
+                                        <p:tgtEl>
+                                          <p:spTgt spid="5"/>
+                                        </p:tgtEl>
+                                        <p:attrNameLst>
+                                          <p:attrName>style.visibility</p:attrName>
+                                        </p:attrNameLst>
+                                      </p:cBhvr>
+                                      <p:to>
+                                        <p:strVal val="visible"/>
+                                      </p:to>
+                                    </p:set>
+                                    <p:anim calcmode="lin" valueType="num">
+                                      <p:cBhvr additive="base">
+                                        <p:cTn id="13" dur="500" fill="hold"/>
+                                        <p:tgtEl>
+                                          <p:spTgt spid="5"/>
+                                        </p:tgtEl>
+                                        <p:attrNameLst>
+                                          <p:attrName>ppt_x</p:attrName>
+                                        </p:attrNameLst>
+                                      </p:cBhvr>
+                                      <p:tavLst>
+                                        <p:tav tm="0">
+                                          <p:val>
+                                            <p:strVal val="#ppt_x"/>
+                                          </p:val>
+                                        </p:tav>
+                                        <p:tav tm="100000">
+                                          <p:val>
+                                            <p:strVal val="#ppt_x"/>
+                                          </p:val>
+                                        </p:tav>
+                                      </p:tavLst>
+                                    </p:anim>
+                                    <p:anim calcmode="lin" valueType="num">
+                                      <p:cBhvr additive="base">
+                                        <p:cTn id="14" dur="500" fill="hold"/>
+                                        <p:tgtEl>
+                                          <p:spTgt spid="5"/>
+                                        </p:tgtEl>
+                                        <p:attrNameLst>
+                                          <p:attrName>ppt_y</p:attrName>
+                                        </p:attrNameLst>
+                                      </p:cBhvr>
+                                      <p:tavLst>
+                                        <p:tav tm="0">
+                                          <p:val>
+                                            <p:strVal val="1+#ppt_h/2"/>
+                                          </p:val>
+                                        </p:tav>
+                                        <p:tav tm="100000">
+                                          <p:val>
+                                            <p:strVal val="#ppt_y"/>
+                                          </p:val>
+                                        </p:tav>
+                                      </p:tavLst>
+                                    </p:anim>
+                                  </p:childTnLst>
+                                </p:cTn>
+                              </p:par>
+                            </p:childTnLst>
+                          </p:cTn>
+                        </p:par>
+                      </p:childTnLst>
+                    </p:cTn>
+                  </p:par>
+                  <p:par>
+                    <p:cTn id="15" fill="hold">
+                      <p:stCondLst>
+                        <p:cond delay="indefinite"/>
+                      </p:stCondLst>
+                      <p:childTnLst>
+                        <p:par>
+                          <p:cTn id="16" fill="hold">
+                            <p:stCondLst>
+                              <p:cond delay="0"/>
+                            </p:stCondLst>
+                            <p:childTnLst>
+                              <p:par>
+                                <p:cTn id="17" presetID="2" presetClass="entr" presetSubtype="4" fill="hold" nodeType="clickEffect">
+                                  <p:stCondLst>
+                                    <p:cond delay="0"/>
+                                  </p:stCondLst>
+                                  <p:childTnLst>
+                                    <p:set>
+                                      <p:cBhvr>
+                                        <p:cTn id="18" dur="1" fill="hold">
+                                          <p:stCondLst>
+                                            <p:cond delay="0"/>
+                                          </p:stCondLst>
+                                        </p:cTn>
+                                        <p:tgtEl>
+                                          <p:spTgt spid="7"/>
+                                        </p:tgtEl>
+                                        <p:attrNameLst>
+                                          <p:attrName>style.visibility</p:attrName>
+                                        </p:attrNameLst>
+                                      </p:cBhvr>
+                                      <p:to>
+                                        <p:strVal val="visible"/>
+                                      </p:to>
+                                    </p:set>
+                                    <p:anim calcmode="lin" valueType="num">
+                                      <p:cBhvr additive="base">
+                                        <p:cTn id="19" dur="500" fill="hold"/>
+                                        <p:tgtEl>
+                                          <p:spTgt spid="7"/>
+                                        </p:tgtEl>
+                                        <p:attrNameLst>
+                                          <p:attrName>ppt_x</p:attrName>
+                                        </p:attrNameLst>
+                                      </p:cBhvr>
+                                      <p:tavLst>
+                                        <p:tav tm="0">
+                                          <p:val>
+                                            <p:strVal val="#ppt_x"/>
+                                          </p:val>
+                                        </p:tav>
+                                        <p:tav tm="100000">
+                                          <p:val>
+                                            <p:strVal val="#ppt_x"/>
+                                          </p:val>
+                                        </p:tav>
+                                      </p:tavLst>
+                                    </p:anim>
+                                    <p:anim calcmode="lin" valueType="num">
+                                      <p:cBhvr additive="base">
+                                        <p:cTn id="20" dur="500" fill="hold"/>
+                                        <p:tgtEl>
+                                          <p:spTgt spid="7"/>
+                                        </p:tgtEl>
+                                        <p:attrNameLst>
+                                          <p:attrName>ppt_y</p:attrName>
+                                        </p:attrNameLst>
+                                      </p:cBhvr>
+                                      <p:tavLst>
+                                        <p:tav tm="0">
+                                          <p:val>
+                                            <p:strVal val="1+#ppt_h/2"/>
+                                          </p:val>
+                                        </p:tav>
+                                        <p:tav tm="100000">
+                                          <p:val>
+                                            <p:strVal val="#ppt_y"/>
+                                          </p:val>
+                                        </p:tav>
+                                      </p:tavLst>
+                                    </p:anim>
+                                  </p:childTnLst>
+                                </p:cTn>
+                              </p:par>
+                            </p:childTnLst>
+                          </p:cTn>
+                        </p:par>
+                      </p:childTnLst>
+                    </p:cTn>
+                  </p:par>
+                </p:childTnLst>
+              </p:cTn>
+              <p:prevCondLst>
+                <p:cond evt="onPrev" delay="0">
+                  <p:tgtEl>
+                    <p:sldTgt/>
+                  </p:tgtEl>
+                </p:cond>
+              </p:prevCondLst>
+              <p:nextCondLst>
+                <p:cond evt="onNext" delay="0">
+                  <p:tgtEl>
+                    <p:sldTgt/>
+                  </p:tgtEl>
+                </p:cond>
+              </p:nextCondLst>
+            </p:seq>
+          </p:childTnLst>
+        </p:cTn>
+      </p:par>
+    </p:tnLst>
+  </p:timing>
+</p:sld>
+</file>
+
+<file path=ppt/slides/slide13.xml><?xml version="1.0" encoding="utf-8"?>
+<p:sld xmlns:a="http://schemas.openxmlformats.org/drawingml/2006/main" xmlns:r="http://schemas.openxmlformats.org/officeDocument/2006/relationships" xmlns:p="http://schemas.openxmlformats.org/presentationml/2006/main">
+  <p:cSld>
+    <p:spTree>
+      <p:nvGrpSpPr>
+        <p:cNvPr id="1" name=""/>
+        <p:cNvGrpSpPr/>
+        <p:nvPr/>
+      </p:nvGrpSpPr>
+      <p:grpSpPr>
+        <a:xfrm>
+          <a:off x="0" y="0"/>
+          <a:ext cx="0" cy="0"/>
+          <a:chOff x="0" y="0"/>
+          <a:chExt cx="0" cy="0"/>
+        </a:xfrm>
+      </p:grpSpPr>
+      <p:sp>
+        <p:nvSpPr>
+          <p:cNvPr id="2" name="Title 1">
+            <a:extLst>
+              <a:ext uri="{FF2B5EF4-FFF2-40B4-BE49-F238E27FC236}">
+                <a16:creationId xmlns:a16="http://schemas.microsoft.com/office/drawing/2014/main" id="{85CDC35F-DEE9-4752-A39A-816C987F0975}"/>
+              </a:ext>
+            </a:extLst>
+          </p:cNvPr>
+          <p:cNvSpPr>
+            <a:spLocks noGrp="1"/>
+          </p:cNvSpPr>
+          <p:nvPr>
+            <p:ph type="title"/>
+          </p:nvPr>
+        </p:nvSpPr>
+        <p:spPr/>
+        <p:txBody>
+          <a:bodyPr/>
+          <a:lstStyle/>
+          <a:p>
+            <a:r>
+              <a:rPr lang="en-US" dirty="0"/>
+              <a:t>Protocol Buffers</a:t>
+            </a:r>
+          </a:p>
+        </p:txBody>
+      </p:sp>
+      <p:pic>
+        <p:nvPicPr>
+          <p:cNvPr id="4" name="Picture 3">
+            <a:extLst>
+              <a:ext uri="{FF2B5EF4-FFF2-40B4-BE49-F238E27FC236}">
+                <a16:creationId xmlns:a16="http://schemas.microsoft.com/office/drawing/2014/main" id="{D227B494-D778-4853-A94B-03EBB031BB78}"/>
+              </a:ext>
+            </a:extLst>
+          </p:cNvPr>
+          <p:cNvPicPr>
+            <a:picLocks noChangeAspect="1"/>
+          </p:cNvPicPr>
+          <p:nvPr/>
+        </p:nvPicPr>
+        <p:blipFill>
+          <a:blip r:embed="rId2"/>
+          <a:stretch>
+            <a:fillRect/>
+          </a:stretch>
+        </p:blipFill>
+        <p:spPr>
+          <a:xfrm>
+            <a:off x="1038044" y="2121988"/>
+            <a:ext cx="7067913" cy="3043394"/>
+          </a:xfrm>
+          <a:prstGeom prst="rect">
+            <a:avLst/>
+          </a:prstGeom>
+        </p:spPr>
+      </p:pic>
+    </p:spTree>
+    <p:extLst>
+      <p:ext uri="{BB962C8B-B14F-4D97-AF65-F5344CB8AC3E}">
+        <p14:creationId xmlns:p14="http://schemas.microsoft.com/office/powerpoint/2010/main" val="887779182"/>
+      </p:ext>
+    </p:extLst>
+  </p:cSld>
+  <p:clrMapOvr>
+    <a:masterClrMapping/>
+  </p:clrMapOvr>
+  <p:transition>
+    <p:fade/>
+  </p:transition>
+  <p:timing>
+    <p:tnLst>
+      <p:par>
+        <p:cTn id="1" dur="indefinite" restart="never" nodeType="tmRoot">
+          <p:childTnLst>
+            <p:seq concurrent="1" nextAc="seek">
+              <p:cTn id="2" dur="indefinite" nodeType="mainSeq">
+                <p:childTnLst>
+                  <p:par>
+                    <p:cTn id="3" fill="hold">
+                      <p:stCondLst>
+                        <p:cond delay="indefinite"/>
+                      </p:stCondLst>
+                      <p:childTnLst>
+                        <p:par>
+                          <p:cTn id="4" fill="hold">
+                            <p:stCondLst>
+                              <p:cond delay="0"/>
+                            </p:stCondLst>
+                            <p:childTnLst>
+                              <p:par>
+                                <p:cTn id="5" presetID="10" presetClass="entr" presetSubtype="0" fill="hold" nodeType="clickEffect">
+                                  <p:stCondLst>
+                                    <p:cond delay="0"/>
+                                  </p:stCondLst>
+                                  <p:childTnLst>
+                                    <p:set>
+                                      <p:cBhvr>
+                                        <p:cTn id="6" dur="1" fill="hold">
+                                          <p:stCondLst>
+                                            <p:cond delay="0"/>
+                                          </p:stCondLst>
+                                        </p:cTn>
+                                        <p:tgtEl>
+                                          <p:spTgt spid="4"/>
+                                        </p:tgtEl>
+                                        <p:attrNameLst>
+                                          <p:attrName>style.visibility</p:attrName>
+                                        </p:attrNameLst>
+                                      </p:cBhvr>
+                                      <p:to>
+                                        <p:strVal val="visible"/>
+                                      </p:to>
+                                    </p:set>
+                                    <p:animEffect transition="in" filter="fade">
+                                      <p:cBhvr>
+                                        <p:cTn id="7" dur="500"/>
+                                        <p:tgtEl>
+                                          <p:spTgt spid="4"/>
+                                        </p:tgtEl>
+                                      </p:cBhvr>
+                                    </p:animEffect>
+                                  </p:childTnLst>
+                                </p:cTn>
+                              </p:par>
+                            </p:childTnLst>
+                          </p:cTn>
+                        </p:par>
+                      </p:childTnLst>
+                    </p:cTn>
+                  </p:par>
+                </p:childTnLst>
+              </p:cTn>
+              <p:prevCondLst>
+                <p:cond evt="onPrev" delay="0">
+                  <p:tgtEl>
+                    <p:sldTgt/>
+                  </p:tgtEl>
+                </p:cond>
+              </p:prevCondLst>
+              <p:nextCondLst>
+                <p:cond evt="onNext" delay="0">
+                  <p:tgtEl>
+                    <p:sldTgt/>
+                  </p:tgtEl>
+                </p:cond>
+              </p:nextCondLst>
+            </p:seq>
+          </p:childTnLst>
+        </p:cTn>
+      </p:par>
+    </p:tnLst>
+  </p:timing>
+</p:sld>
+</file>
+
+<file path=ppt/slides/slide14.xml><?xml version="1.0" encoding="utf-8"?>
+<p:sld xmlns:a="http://schemas.openxmlformats.org/drawingml/2006/main" xmlns:r="http://schemas.openxmlformats.org/officeDocument/2006/relationships" xmlns:p="http://schemas.openxmlformats.org/presentationml/2006/main">
+  <p:cSld>
+    <p:spTree>
+      <p:nvGrpSpPr>
+        <p:cNvPr id="1" name=""/>
+        <p:cNvGrpSpPr/>
+        <p:nvPr/>
+      </p:nvGrpSpPr>
+      <p:grpSpPr>
+        <a:xfrm>
+          <a:off x="0" y="0"/>
+          <a:ext cx="0" cy="0"/>
+          <a:chOff x="0" y="0"/>
+          <a:chExt cx="0" cy="0"/>
+        </a:xfrm>
+      </p:grpSpPr>
+      <p:sp>
+        <p:nvSpPr>
+          <p:cNvPr id="2" name="Title 1">
+            <a:extLst>
+              <a:ext uri="{FF2B5EF4-FFF2-40B4-BE49-F238E27FC236}">
+                <a16:creationId xmlns:a16="http://schemas.microsoft.com/office/drawing/2014/main" id="{1EE351B6-312E-4A5D-83F6-E1D166F471EF}"/>
+              </a:ext>
+            </a:extLst>
+          </p:cNvPr>
+          <p:cNvSpPr>
+            <a:spLocks noGrp="1"/>
+          </p:cNvSpPr>
+          <p:nvPr>
+            <p:ph type="title"/>
+          </p:nvPr>
+        </p:nvSpPr>
+        <p:spPr/>
+        <p:txBody>
+          <a:bodyPr/>
+          <a:lstStyle/>
+          <a:p>
+            <a:r>
+              <a:rPr lang="en-US" dirty="0" err="1"/>
+              <a:t>gRPC</a:t>
+            </a:r>
+            <a:r>
+              <a:rPr lang="en-US" dirty="0"/>
+              <a:t> in an ASP.NET Core Project</a:t>
+            </a:r>
+          </a:p>
+        </p:txBody>
+      </p:sp>
+      <p:pic>
+        <p:nvPicPr>
+          <p:cNvPr id="4" name="Picture 3">
+            <a:extLst>
+              <a:ext uri="{FF2B5EF4-FFF2-40B4-BE49-F238E27FC236}">
+                <a16:creationId xmlns:a16="http://schemas.microsoft.com/office/drawing/2014/main" id="{D86DCCFA-90BA-4D55-8415-48B0E2601BC4}"/>
+              </a:ext>
+            </a:extLst>
+          </p:cNvPr>
+          <p:cNvPicPr>
+            <a:picLocks noChangeAspect="1"/>
+          </p:cNvPicPr>
+          <p:nvPr/>
+        </p:nvPicPr>
+        <p:blipFill>
+          <a:blip r:embed="rId2"/>
+          <a:stretch>
+            <a:fillRect/>
+          </a:stretch>
+        </p:blipFill>
+        <p:spPr>
+          <a:xfrm>
+            <a:off x="1314404" y="2556819"/>
+            <a:ext cx="6658317" cy="2309931"/>
+          </a:xfrm>
+          <a:prstGeom prst="rect">
+            <a:avLst/>
+          </a:prstGeom>
+        </p:spPr>
+      </p:pic>
+    </p:spTree>
+    <p:extLst>
+      <p:ext uri="{BB962C8B-B14F-4D97-AF65-F5344CB8AC3E}">
+        <p14:creationId xmlns:p14="http://schemas.microsoft.com/office/powerpoint/2010/main" val="1719678424"/>
+      </p:ext>
+    </p:extLst>
+  </p:cSld>
+  <p:clrMapOvr>
+    <a:masterClrMapping/>
+  </p:clrMapOvr>
+  <p:transition>
+    <p:fade/>
+  </p:transition>
+  <p:timing>
+    <p:tnLst>
+      <p:par>
+        <p:cTn id="1" dur="indefinite" restart="never" nodeType="tmRoot">
+          <p:childTnLst>
+            <p:seq concurrent="1" nextAc="seek">
+              <p:cTn id="2" dur="indefinite" nodeType="mainSeq">
+                <p:childTnLst>
+                  <p:par>
+                    <p:cTn id="3" fill="hold">
+                      <p:stCondLst>
+                        <p:cond delay="indefinite"/>
+                      </p:stCondLst>
+                      <p:childTnLst>
+                        <p:par>
+                          <p:cTn id="4" fill="hold">
+                            <p:stCondLst>
+                              <p:cond delay="0"/>
+                            </p:stCondLst>
+                            <p:childTnLst>
+                              <p:par>
+                                <p:cTn id="5" presetID="10" presetClass="entr" presetSubtype="0" fill="hold" nodeType="clickEffect">
+                                  <p:stCondLst>
+                                    <p:cond delay="0"/>
+                                  </p:stCondLst>
+                                  <p:childTnLst>
+                                    <p:set>
+                                      <p:cBhvr>
+                                        <p:cTn id="6" dur="1" fill="hold">
+                                          <p:stCondLst>
+                                            <p:cond delay="0"/>
+                                          </p:stCondLst>
+                                        </p:cTn>
+                                        <p:tgtEl>
+                                          <p:spTgt spid="4"/>
+                                        </p:tgtEl>
+                                        <p:attrNameLst>
+                                          <p:attrName>style.visibility</p:attrName>
+                                        </p:attrNameLst>
+                                      </p:cBhvr>
+                                      <p:to>
+                                        <p:strVal val="visible"/>
+                                      </p:to>
+                                    </p:set>
+                                    <p:animEffect transition="in" filter="fade">
+                                      <p:cBhvr>
+                                        <p:cTn id="7" dur="500"/>
+                                        <p:tgtEl>
+                                          <p:spTgt spid="4"/>
+                                        </p:tgtEl>
+                                      </p:cBhvr>
+                                    </p:animEffect>
+                                  </p:childTnLst>
+                                </p:cTn>
+                              </p:par>
+                            </p:childTnLst>
+                          </p:cTn>
+                        </p:par>
+                      </p:childTnLst>
+                    </p:cTn>
+                  </p:par>
+                </p:childTnLst>
+              </p:cTn>
+              <p:prevCondLst>
+                <p:cond evt="onPrev" delay="0">
+                  <p:tgtEl>
+                    <p:sldTgt/>
+                  </p:tgtEl>
+                </p:cond>
+              </p:prevCondLst>
+              <p:nextCondLst>
+                <p:cond evt="onNext" delay="0">
+                  <p:tgtEl>
+                    <p:sldTgt/>
+                  </p:tgtEl>
+                </p:cond>
+              </p:nextCondLst>
+            </p:seq>
+          </p:childTnLst>
+        </p:cTn>
+      </p:par>
+    </p:tnLst>
+  </p:timing>
+</p:sld>
+</file>
+
+<file path=ppt/slides/slide15.xml><?xml version="1.0" encoding="utf-8"?>
+<p:sld xmlns:a="http://schemas.openxmlformats.org/drawingml/2006/main" xmlns:r="http://schemas.openxmlformats.org/officeDocument/2006/relationships" xmlns:p="http://schemas.openxmlformats.org/presentationml/2006/main">
+  <p:cSld>
+    <p:spTree>
+      <p:nvGrpSpPr>
+        <p:cNvPr id="1" name=""/>
+        <p:cNvGrpSpPr/>
+        <p:nvPr/>
+      </p:nvGrpSpPr>
+      <p:grpSpPr>
+        <a:xfrm>
+          <a:off x="0" y="0"/>
+          <a:ext cx="0" cy="0"/>
+          <a:chOff x="0" y="0"/>
+          <a:chExt cx="0" cy="0"/>
+        </a:xfrm>
+      </p:grpSpPr>
+      <p:sp>
+        <p:nvSpPr>
+          <p:cNvPr id="2" name="Title 1">
+            <a:extLst>
+              <a:ext uri="{FF2B5EF4-FFF2-40B4-BE49-F238E27FC236}">
+                <a16:creationId xmlns:a16="http://schemas.microsoft.com/office/drawing/2014/main" id="{DEB6CCAD-91FF-41E9-8536-4467B008EC2D}"/>
+              </a:ext>
+            </a:extLst>
+          </p:cNvPr>
+          <p:cNvSpPr>
+            <a:spLocks noGrp="1"/>
+          </p:cNvSpPr>
+          <p:nvPr>
+            <p:ph type="title"/>
+          </p:nvPr>
+        </p:nvSpPr>
+        <p:spPr/>
+        <p:txBody>
+          <a:bodyPr/>
+          <a:lstStyle/>
+          <a:p>
+            <a:r>
+              <a:rPr lang="en-US" dirty="0"/>
+              <a:t>Service Implementation</a:t>
+            </a:r>
+          </a:p>
+        </p:txBody>
+      </p:sp>
+      <p:sp>
+        <p:nvSpPr>
+          <p:cNvPr id="3" name="Text Placeholder 2">
+            <a:extLst>
+              <a:ext uri="{FF2B5EF4-FFF2-40B4-BE49-F238E27FC236}">
+                <a16:creationId xmlns:a16="http://schemas.microsoft.com/office/drawing/2014/main" id="{0B41A5B2-B162-4551-A00A-87B3DC6E9CAC}"/>
+              </a:ext>
+            </a:extLst>
+          </p:cNvPr>
+          <p:cNvSpPr>
+            <a:spLocks noGrp="1"/>
+          </p:cNvSpPr>
+          <p:nvPr>
+            <p:ph type="body" idx="1"/>
+          </p:nvPr>
+        </p:nvSpPr>
+        <p:spPr/>
+        <p:txBody>
+          <a:bodyPr/>
+          <a:lstStyle/>
+          <a:p>
+            <a:endParaRPr lang="en-US"/>
+          </a:p>
+        </p:txBody>
+      </p:sp>
+      <p:pic>
+        <p:nvPicPr>
+          <p:cNvPr id="4" name="Picture 3">
+            <a:extLst>
+              <a:ext uri="{FF2B5EF4-FFF2-40B4-BE49-F238E27FC236}">
+                <a16:creationId xmlns:a16="http://schemas.microsoft.com/office/drawing/2014/main" id="{E5E6E81E-F275-4716-BFC8-C7DDA522B887}"/>
+              </a:ext>
+            </a:extLst>
+          </p:cNvPr>
+          <p:cNvPicPr>
+            <a:picLocks noChangeAspect="1"/>
+          </p:cNvPicPr>
+          <p:nvPr/>
+        </p:nvPicPr>
+        <p:blipFill>
+          <a:blip r:embed="rId2"/>
+          <a:stretch>
+            <a:fillRect/>
+          </a:stretch>
+        </p:blipFill>
+        <p:spPr>
+          <a:xfrm>
+            <a:off x="391651" y="1746696"/>
+            <a:ext cx="8360698" cy="3930055"/>
+          </a:xfrm>
+          <a:prstGeom prst="rect">
+            <a:avLst/>
+          </a:prstGeom>
+        </p:spPr>
+      </p:pic>
+    </p:spTree>
+    <p:extLst>
+      <p:ext uri="{BB962C8B-B14F-4D97-AF65-F5344CB8AC3E}">
+        <p14:creationId xmlns:p14="http://schemas.microsoft.com/office/powerpoint/2010/main" val="2663311956"/>
+      </p:ext>
+    </p:extLst>
+  </p:cSld>
+  <p:clrMapOvr>
+    <a:masterClrMapping/>
+  </p:clrMapOvr>
+  <p:transition>
+    <p:fade/>
+  </p:transition>
+  <p:timing>
+    <p:tnLst>
+      <p:par>
+        <p:cTn id="1" dur="indefinite" restart="never" nodeType="tmRoot">
+          <p:childTnLst>
+            <p:seq concurrent="1" nextAc="seek">
+              <p:cTn id="2" dur="indefinite" nodeType="mainSeq">
+                <p:childTnLst>
+                  <p:par>
+                    <p:cTn id="3" fill="hold">
+                      <p:stCondLst>
+                        <p:cond delay="indefinite"/>
+                      </p:stCondLst>
+                      <p:childTnLst>
+                        <p:par>
+                          <p:cTn id="4" fill="hold">
+                            <p:stCondLst>
+                              <p:cond delay="0"/>
+                            </p:stCondLst>
+                            <p:childTnLst>
+                              <p:par>
+                                <p:cTn id="5" presetID="10" presetClass="entr" presetSubtype="0" fill="hold" nodeType="clickEffect">
+                                  <p:stCondLst>
+                                    <p:cond delay="0"/>
+                                  </p:stCondLst>
+                                  <p:childTnLst>
+                                    <p:set>
+                                      <p:cBhvr>
+                                        <p:cTn id="6" dur="1" fill="hold">
+                                          <p:stCondLst>
+                                            <p:cond delay="0"/>
+                                          </p:stCondLst>
+                                        </p:cTn>
+                                        <p:tgtEl>
+                                          <p:spTgt spid="4"/>
+                                        </p:tgtEl>
+                                        <p:attrNameLst>
+                                          <p:attrName>style.visibility</p:attrName>
+                                        </p:attrNameLst>
+                                      </p:cBhvr>
+                                      <p:to>
+                                        <p:strVal val="visible"/>
+                                      </p:to>
+                                    </p:set>
+                                    <p:animEffect transition="in" filter="fade">
+                                      <p:cBhvr>
+                                        <p:cTn id="7" dur="500"/>
+                                        <p:tgtEl>
+                                          <p:spTgt spid="4"/>
+                                        </p:tgtEl>
+                                      </p:cBhvr>
+                                    </p:animEffect>
+                                  </p:childTnLst>
+                                </p:cTn>
+                              </p:par>
+                            </p:childTnLst>
+                          </p:cTn>
+                        </p:par>
+                      </p:childTnLst>
+                    </p:cTn>
+                  </p:par>
+                </p:childTnLst>
+              </p:cTn>
+              <p:prevCondLst>
+                <p:cond evt="onPrev" delay="0">
+                  <p:tgtEl>
+                    <p:sldTgt/>
+                  </p:tgtEl>
+                </p:cond>
+              </p:prevCondLst>
+              <p:nextCondLst>
+                <p:cond evt="onNext" delay="0">
+                  <p:tgtEl>
+                    <p:sldTgt/>
+                  </p:tgtEl>
+                </p:cond>
+              </p:nextCondLst>
+            </p:seq>
+          </p:childTnLst>
+        </p:cTn>
+      </p:par>
+    </p:tnLst>
+  </p:timing>
+</p:sld>
+</file>
+
+<file path=ppt/slides/slide16.xml><?xml version="1.0" encoding="utf-8"?>
+<p:sld xmlns:a="http://schemas.openxmlformats.org/drawingml/2006/main" xmlns:r="http://schemas.openxmlformats.org/officeDocument/2006/relationships" xmlns:p="http://schemas.openxmlformats.org/presentationml/2006/main">
+  <p:cSld>
+    <p:spTree>
+      <p:nvGrpSpPr>
+        <p:cNvPr id="1" name=""/>
+        <p:cNvGrpSpPr/>
+        <p:nvPr/>
+      </p:nvGrpSpPr>
+      <p:grpSpPr>
+        <a:xfrm>
+          <a:off x="0" y="0"/>
+          <a:ext cx="0" cy="0"/>
+          <a:chOff x="0" y="0"/>
+          <a:chExt cx="0" cy="0"/>
+        </a:xfrm>
+      </p:grpSpPr>
+      <p:sp>
+        <p:nvSpPr>
+          <p:cNvPr id="2" name="Title 1">
+            <a:extLst>
+              <a:ext uri="{FF2B5EF4-FFF2-40B4-BE49-F238E27FC236}">
+                <a16:creationId xmlns:a16="http://schemas.microsoft.com/office/drawing/2014/main" id="{22EA4470-7E26-460F-A3C7-C6F07A0B08A9}"/>
+              </a:ext>
+            </a:extLst>
+          </p:cNvPr>
+          <p:cNvSpPr>
+            <a:spLocks noGrp="1"/>
+          </p:cNvSpPr>
+          <p:nvPr>
+            <p:ph type="title"/>
+          </p:nvPr>
+        </p:nvSpPr>
+        <p:spPr/>
+        <p:txBody>
+          <a:bodyPr/>
+          <a:lstStyle/>
+          <a:p>
+            <a:r>
+              <a:rPr lang="en-US" dirty="0"/>
+              <a:t>Client Implementation</a:t>
+            </a:r>
+          </a:p>
+        </p:txBody>
+      </p:sp>
+      <p:sp>
+        <p:nvSpPr>
+          <p:cNvPr id="3" name="Text Placeholder 2">
+            <a:extLst>
+              <a:ext uri="{FF2B5EF4-FFF2-40B4-BE49-F238E27FC236}">
+                <a16:creationId xmlns:a16="http://schemas.microsoft.com/office/drawing/2014/main" id="{79C64083-11E6-401A-9822-35A1B82C586B}"/>
+              </a:ext>
+            </a:extLst>
+          </p:cNvPr>
+          <p:cNvSpPr>
+            <a:spLocks noGrp="1"/>
+          </p:cNvSpPr>
+          <p:nvPr>
+            <p:ph type="body" idx="1"/>
+          </p:nvPr>
+        </p:nvSpPr>
+        <p:spPr/>
+        <p:txBody>
+          <a:bodyPr/>
+          <a:lstStyle/>
+          <a:p>
+            <a:endParaRPr lang="en-US"/>
+          </a:p>
+        </p:txBody>
+      </p:sp>
+      <p:pic>
+        <p:nvPicPr>
+          <p:cNvPr id="4" name="Picture 3">
+            <a:extLst>
+              <a:ext uri="{FF2B5EF4-FFF2-40B4-BE49-F238E27FC236}">
+                <a16:creationId xmlns:a16="http://schemas.microsoft.com/office/drawing/2014/main" id="{24D111AC-4B9B-4C0A-831D-92369442EDA1}"/>
+              </a:ext>
+            </a:extLst>
+          </p:cNvPr>
+          <p:cNvPicPr>
+            <a:picLocks noChangeAspect="1"/>
+          </p:cNvPicPr>
+          <p:nvPr/>
+        </p:nvPicPr>
+        <p:blipFill>
+          <a:blip r:embed="rId2"/>
+          <a:stretch>
+            <a:fillRect/>
+          </a:stretch>
+        </p:blipFill>
+        <p:spPr>
+          <a:xfrm>
+            <a:off x="1162854" y="2556558"/>
+            <a:ext cx="6567825" cy="2138473"/>
+          </a:xfrm>
+          <a:prstGeom prst="rect">
+            <a:avLst/>
+          </a:prstGeom>
+        </p:spPr>
+      </p:pic>
+    </p:spTree>
+    <p:extLst>
+      <p:ext uri="{BB962C8B-B14F-4D97-AF65-F5344CB8AC3E}">
+        <p14:creationId xmlns:p14="http://schemas.microsoft.com/office/powerpoint/2010/main" val="2917677255"/>
+      </p:ext>
+    </p:extLst>
+  </p:cSld>
+  <p:clrMapOvr>
+    <a:masterClrMapping/>
+  </p:clrMapOvr>
+  <p:transition>
+    <p:fade/>
+  </p:transition>
+  <p:timing>
+    <p:tnLst>
+      <p:par>
+        <p:cTn id="1" dur="indefinite" restart="never" nodeType="tmRoot">
+          <p:childTnLst>
+            <p:seq concurrent="1" nextAc="seek">
+              <p:cTn id="2" dur="indefinite" nodeType="mainSeq">
+                <p:childTnLst>
+                  <p:par>
+                    <p:cTn id="3" fill="hold">
+                      <p:stCondLst>
+                        <p:cond delay="indefinite"/>
+                      </p:stCondLst>
+                      <p:childTnLst>
+                        <p:par>
+                          <p:cTn id="4" fill="hold">
+                            <p:stCondLst>
+                              <p:cond delay="0"/>
+                            </p:stCondLst>
+                            <p:childTnLst>
+                              <p:par>
+                                <p:cTn id="5" presetID="10" presetClass="entr" presetSubtype="0" fill="hold" nodeType="clickEffect">
+                                  <p:stCondLst>
+                                    <p:cond delay="0"/>
+                                  </p:stCondLst>
+                                  <p:childTnLst>
+                                    <p:set>
+                                      <p:cBhvr>
+                                        <p:cTn id="6" dur="1" fill="hold">
+                                          <p:stCondLst>
+                                            <p:cond delay="0"/>
+                                          </p:stCondLst>
+                                        </p:cTn>
+                                        <p:tgtEl>
+                                          <p:spTgt spid="4"/>
+                                        </p:tgtEl>
+                                        <p:attrNameLst>
+                                          <p:attrName>style.visibility</p:attrName>
+                                        </p:attrNameLst>
+                                      </p:cBhvr>
+                                      <p:to>
+                                        <p:strVal val="visible"/>
+                                      </p:to>
+                                    </p:set>
+                                    <p:animEffect transition="in" filter="fade">
+                                      <p:cBhvr>
+                                        <p:cTn id="7" dur="500"/>
+                                        <p:tgtEl>
+                                          <p:spTgt spid="4"/>
+                                        </p:tgtEl>
+                                      </p:cBhvr>
+                                    </p:animEffect>
+                                  </p:childTnLst>
+                                </p:cTn>
+                              </p:par>
+                            </p:childTnLst>
+                          </p:cTn>
+                        </p:par>
+                      </p:childTnLst>
+                    </p:cTn>
+                  </p:par>
+                </p:childTnLst>
+              </p:cTn>
+              <p:prevCondLst>
+                <p:cond evt="onPrev" delay="0">
+                  <p:tgtEl>
+                    <p:sldTgt/>
+                  </p:tgtEl>
+                </p:cond>
+              </p:prevCondLst>
+              <p:nextCondLst>
+                <p:cond evt="onNext" delay="0">
+                  <p:tgtEl>
+                    <p:sldTgt/>
+                  </p:tgtEl>
+                </p:cond>
+              </p:nextCondLst>
+            </p:seq>
+          </p:childTnLst>
+        </p:cTn>
+      </p:par>
+    </p:tnLst>
+  </p:timing>
+</p:sld>
+</file>
+
+<file path=ppt/slides/slide17.xml><?xml version="1.0" encoding="utf-8"?>
+<p:sld xmlns:a="http://schemas.openxmlformats.org/drawingml/2006/main" xmlns:r="http://schemas.openxmlformats.org/officeDocument/2006/relationships" xmlns:p="http://schemas.openxmlformats.org/presentationml/2006/main">
+  <p:cSld>
+    <p:spTree>
+      <p:nvGrpSpPr>
+        <p:cNvPr id="1" name=""/>
+        <p:cNvGrpSpPr/>
+        <p:nvPr/>
+      </p:nvGrpSpPr>
+      <p:grpSpPr>
+        <a:xfrm>
+          <a:off x="0" y="0"/>
+          <a:ext cx="0" cy="0"/>
+          <a:chOff x="0" y="0"/>
+          <a:chExt cx="0" cy="0"/>
+        </a:xfrm>
+      </p:grpSpPr>
+      <p:sp>
+        <p:nvSpPr>
+          <p:cNvPr id="2" name="Title 1">
+            <a:extLst>
+              <a:ext uri="{FF2B5EF4-FFF2-40B4-BE49-F238E27FC236}">
+                <a16:creationId xmlns:a16="http://schemas.microsoft.com/office/drawing/2014/main" id="{A8A76B02-5A7E-4FDD-BE32-DC43DF050B60}"/>
+              </a:ext>
+            </a:extLst>
+          </p:cNvPr>
+          <p:cNvSpPr>
+            <a:spLocks noGrp="1"/>
+          </p:cNvSpPr>
+          <p:nvPr>
+            <p:ph type="title"/>
+          </p:nvPr>
+        </p:nvSpPr>
+        <p:spPr/>
+        <p:txBody>
+          <a:bodyPr/>
+          <a:lstStyle/>
+          <a:p>
+            <a:r>
+              <a:rPr lang="en-US" dirty="0"/>
+              <a:t>New: Hosting Long Running Tasks</a:t>
+            </a:r>
+          </a:p>
+        </p:txBody>
+      </p:sp>
+      <p:sp>
+        <p:nvSpPr>
+          <p:cNvPr id="3" name="Text Placeholder 2">
+            <a:extLst>
+              <a:ext uri="{FF2B5EF4-FFF2-40B4-BE49-F238E27FC236}">
+                <a16:creationId xmlns:a16="http://schemas.microsoft.com/office/drawing/2014/main" id="{3FAB089E-0BBF-4B28-8398-8EEC5795996A}"/>
+              </a:ext>
+            </a:extLst>
+          </p:cNvPr>
+          <p:cNvSpPr>
+            <a:spLocks noGrp="1"/>
+          </p:cNvSpPr>
+          <p:nvPr>
+            <p:ph type="body" idx="1"/>
+          </p:nvPr>
+        </p:nvSpPr>
+        <p:spPr/>
+        <p:txBody>
+          <a:bodyPr/>
+          <a:lstStyle/>
+          <a:p>
+            <a:endParaRPr lang="en-US"/>
+          </a:p>
+        </p:txBody>
+      </p:sp>
+      <p:pic>
+        <p:nvPicPr>
+          <p:cNvPr id="4" name="Picture 3">
+            <a:extLst>
+              <a:ext uri="{FF2B5EF4-FFF2-40B4-BE49-F238E27FC236}">
+                <a16:creationId xmlns:a16="http://schemas.microsoft.com/office/drawing/2014/main" id="{65988003-4614-4C7B-ADCB-66F00EB138D6}"/>
+              </a:ext>
+            </a:extLst>
+          </p:cNvPr>
+          <p:cNvPicPr>
+            <a:picLocks noChangeAspect="1"/>
+          </p:cNvPicPr>
+          <p:nvPr/>
+        </p:nvPicPr>
+        <p:blipFill>
+          <a:blip r:embed="rId2"/>
+          <a:stretch>
+            <a:fillRect/>
+          </a:stretch>
+        </p:blipFill>
+        <p:spPr>
+          <a:xfrm>
+            <a:off x="900486" y="1758449"/>
+            <a:ext cx="5839172" cy="3975039"/>
+          </a:xfrm>
+          <a:prstGeom prst="rect">
+            <a:avLst/>
+          </a:prstGeom>
+        </p:spPr>
+      </p:pic>
+    </p:spTree>
+    <p:extLst>
+      <p:ext uri="{BB962C8B-B14F-4D97-AF65-F5344CB8AC3E}">
+        <p14:creationId xmlns:p14="http://schemas.microsoft.com/office/powerpoint/2010/main" val="2773476915"/>
+      </p:ext>
+    </p:extLst>
+  </p:cSld>
+  <p:clrMapOvr>
+    <a:masterClrMapping/>
+  </p:clrMapOvr>
+  <p:transition>
+    <p:fade/>
+  </p:transition>
+  <p:timing>
+    <p:tnLst>
+      <p:par>
+        <p:cTn id="1" dur="indefinite" restart="never" nodeType="tmRoot">
+          <p:childTnLst>
+            <p:seq concurrent="1" nextAc="seek">
+              <p:cTn id="2" dur="indefinite" nodeType="mainSeq">
+                <p:childTnLst>
+                  <p:par>
+                    <p:cTn id="3" fill="hold">
+                      <p:stCondLst>
+                        <p:cond delay="indefinite"/>
+                      </p:stCondLst>
+                      <p:childTnLst>
+                        <p:par>
+                          <p:cTn id="4" fill="hold">
+                            <p:stCondLst>
+                              <p:cond delay="0"/>
+                            </p:stCondLst>
+                            <p:childTnLst>
+                              <p:par>
+                                <p:cTn id="5" presetID="10" presetClass="entr" presetSubtype="0" fill="hold" nodeType="clickEffect">
+                                  <p:stCondLst>
+                                    <p:cond delay="0"/>
+                                  </p:stCondLst>
+                                  <p:childTnLst>
+                                    <p:set>
+                                      <p:cBhvr>
+                                        <p:cTn id="6" dur="1" fill="hold">
+                                          <p:stCondLst>
+                                            <p:cond delay="0"/>
+                                          </p:stCondLst>
+                                        </p:cTn>
+                                        <p:tgtEl>
+                                          <p:spTgt spid="4"/>
+                                        </p:tgtEl>
+                                        <p:attrNameLst>
+                                          <p:attrName>style.visibility</p:attrName>
+                                        </p:attrNameLst>
+                                      </p:cBhvr>
+                                      <p:to>
+                                        <p:strVal val="visible"/>
+                                      </p:to>
+                                    </p:set>
+                                    <p:animEffect transition="in" filter="fade">
+                                      <p:cBhvr>
+                                        <p:cTn id="7" dur="500"/>
+                                        <p:tgtEl>
+                                          <p:spTgt spid="4"/>
+                                        </p:tgtEl>
+                                      </p:cBhvr>
+                                    </p:animEffect>
+                                  </p:childTnLst>
+                                </p:cTn>
+                              </p:par>
+                            </p:childTnLst>
+                          </p:cTn>
+                        </p:par>
+                      </p:childTnLst>
+                    </p:cTn>
+                  </p:par>
+                </p:childTnLst>
+              </p:cTn>
+              <p:prevCondLst>
+                <p:cond evt="onPrev" delay="0">
+                  <p:tgtEl>
+                    <p:sldTgt/>
+                  </p:tgtEl>
+                </p:cond>
+              </p:prevCondLst>
+              <p:nextCondLst>
+                <p:cond evt="onNext" delay="0">
+                  <p:tgtEl>
+                    <p:sldTgt/>
+                  </p:tgtEl>
+                </p:cond>
+              </p:nextCondLst>
+            </p:seq>
+          </p:childTnLst>
+        </p:cTn>
+      </p:par>
+    </p:tnLst>
+  </p:timing>
+</p:sld>
+</file>
+
+<file path=ppt/slides/slide18.xml><?xml version="1.0" encoding="utf-8"?>
 <p:sld xmlns:a="http://schemas.openxmlformats.org/drawingml/2006/main" xmlns:r="http://schemas.openxmlformats.org/officeDocument/2006/relationships" xmlns:p="http://schemas.openxmlformats.org/presentationml/2006/main">
   <p:cSld>
     <p:spTree>
